--- a/Homework/HW2/MathDiagrams.pptx
+++ b/Homework/HW2/MathDiagrams.pptx
@@ -6,6 +6,8 @@
   </p:sldMasterIdLst>
   <p:sldIdLst>
     <p:sldId id="256" r:id="rId2"/>
+    <p:sldId id="257" r:id="rId3"/>
+    <p:sldId id="258" r:id="rId4"/>
   </p:sldIdLst>
   <p:sldSz cx="12192000" cy="6858000"/>
   <p:notesSz cx="6858000" cy="9144000"/>
@@ -4113,6 +4115,1988 @@
 </p:sld>
 </file>
 
+<file path=ppt/slides/slide2.xml><?xml version="1.0" encoding="utf-8"?>
+<p:sld xmlns:a="http://schemas.openxmlformats.org/drawingml/2006/main" xmlns:r="http://schemas.openxmlformats.org/officeDocument/2006/relationships" xmlns:p="http://schemas.openxmlformats.org/presentationml/2006/main">
+  <p:cSld>
+    <p:spTree>
+      <p:nvGrpSpPr>
+        <p:cNvPr id="1" name=""/>
+        <p:cNvGrpSpPr/>
+        <p:nvPr/>
+      </p:nvGrpSpPr>
+      <p:grpSpPr>
+        <a:xfrm>
+          <a:off x="0" y="0"/>
+          <a:ext cx="0" cy="0"/>
+          <a:chOff x="0" y="0"/>
+          <a:chExt cx="0" cy="0"/>
+        </a:xfrm>
+      </p:grpSpPr>
+      <p:grpSp>
+        <p:nvGrpSpPr>
+          <p:cNvPr id="52" name="Group 51"/>
+          <p:cNvGrpSpPr/>
+          <p:nvPr/>
+        </p:nvGrpSpPr>
+        <p:grpSpPr>
+          <a:xfrm>
+            <a:off x="2053389" y="3872569"/>
+            <a:ext cx="2221833" cy="2561404"/>
+            <a:chOff x="2053389" y="3872569"/>
+            <a:chExt cx="2221833" cy="2561404"/>
+          </a:xfrm>
+        </p:grpSpPr>
+        <p:cxnSp>
+          <p:nvCxnSpPr>
+            <p:cNvPr id="30" name="Straight Connector 29"/>
+            <p:cNvCxnSpPr/>
+            <p:nvPr/>
+          </p:nvCxnSpPr>
+          <p:spPr>
+            <a:xfrm>
+              <a:off x="2719138" y="4538862"/>
+              <a:ext cx="0" cy="1604210"/>
+            </a:xfrm>
+            <a:prstGeom prst="line">
+              <a:avLst/>
+            </a:prstGeom>
+          </p:spPr>
+          <p:style>
+            <a:lnRef idx="1">
+              <a:schemeClr val="accent1"/>
+            </a:lnRef>
+            <a:fillRef idx="0">
+              <a:schemeClr val="accent1"/>
+            </a:fillRef>
+            <a:effectRef idx="0">
+              <a:schemeClr val="accent1"/>
+            </a:effectRef>
+            <a:fontRef idx="minor">
+              <a:schemeClr val="tx1"/>
+            </a:fontRef>
+          </p:style>
+        </p:cxnSp>
+        <p:cxnSp>
+          <p:nvCxnSpPr>
+            <p:cNvPr id="31" name="Straight Connector 30"/>
+            <p:cNvCxnSpPr/>
+            <p:nvPr/>
+          </p:nvCxnSpPr>
+          <p:spPr>
+            <a:xfrm>
+              <a:off x="2526633" y="5998693"/>
+              <a:ext cx="1748589" cy="0"/>
+            </a:xfrm>
+            <a:prstGeom prst="line">
+              <a:avLst/>
+            </a:prstGeom>
+          </p:spPr>
+          <p:style>
+            <a:lnRef idx="1">
+              <a:schemeClr val="accent1"/>
+            </a:lnRef>
+            <a:fillRef idx="0">
+              <a:schemeClr val="accent1"/>
+            </a:fillRef>
+            <a:effectRef idx="0">
+              <a:schemeClr val="accent1"/>
+            </a:effectRef>
+            <a:fontRef idx="minor">
+              <a:schemeClr val="tx1"/>
+            </a:fontRef>
+          </p:style>
+        </p:cxnSp>
+        <p:cxnSp>
+          <p:nvCxnSpPr>
+            <p:cNvPr id="32" name="Straight Connector 31"/>
+            <p:cNvCxnSpPr/>
+            <p:nvPr/>
+          </p:nvCxnSpPr>
+          <p:spPr>
+            <a:xfrm>
+              <a:off x="4034590" y="5878378"/>
+              <a:ext cx="0" cy="264694"/>
+            </a:xfrm>
+            <a:prstGeom prst="line">
+              <a:avLst/>
+            </a:prstGeom>
+          </p:spPr>
+          <p:style>
+            <a:lnRef idx="1">
+              <a:schemeClr val="accent1"/>
+            </a:lnRef>
+            <a:fillRef idx="0">
+              <a:schemeClr val="accent1"/>
+            </a:fillRef>
+            <a:effectRef idx="0">
+              <a:schemeClr val="accent1"/>
+            </a:effectRef>
+            <a:fontRef idx="minor">
+              <a:schemeClr val="tx1"/>
+            </a:fontRef>
+          </p:style>
+        </p:cxnSp>
+        <p:cxnSp>
+          <p:nvCxnSpPr>
+            <p:cNvPr id="33" name="Straight Connector 32"/>
+            <p:cNvCxnSpPr/>
+            <p:nvPr/>
+          </p:nvCxnSpPr>
+          <p:spPr>
+            <a:xfrm flipH="1">
+              <a:off x="2574759" y="4747409"/>
+              <a:ext cx="296778" cy="0"/>
+            </a:xfrm>
+            <a:prstGeom prst="line">
+              <a:avLst/>
+            </a:prstGeom>
+          </p:spPr>
+          <p:style>
+            <a:lnRef idx="1">
+              <a:schemeClr val="accent1"/>
+            </a:lnRef>
+            <a:fillRef idx="0">
+              <a:schemeClr val="accent1"/>
+            </a:fillRef>
+            <a:effectRef idx="0">
+              <a:schemeClr val="accent1"/>
+            </a:effectRef>
+            <a:fontRef idx="minor">
+              <a:schemeClr val="tx1"/>
+            </a:fontRef>
+          </p:style>
+        </p:cxnSp>
+        <p:sp>
+          <p:nvSpPr>
+            <p:cNvPr id="34" name="TextBox 33"/>
+            <p:cNvSpPr txBox="1"/>
+            <p:nvPr/>
+          </p:nvSpPr>
+          <p:spPr>
+            <a:xfrm>
+              <a:off x="2053389" y="5202467"/>
+              <a:ext cx="665749" cy="276999"/>
+            </a:xfrm>
+            <a:prstGeom prst="rect">
+              <a:avLst/>
+            </a:prstGeom>
+            <a:noFill/>
+          </p:spPr>
+          <p:txBody>
+            <a:bodyPr wrap="square" rtlCol="0">
+              <a:spAutoFit/>
+            </a:bodyPr>
+            <a:lstStyle/>
+            <a:p>
+              <a:r>
+                <a:rPr lang="en-US" sz="1200" dirty="0" smtClean="0"/>
+                <a:t>a1*~a2</a:t>
+              </a:r>
+              <a:endParaRPr lang="en-US" sz="1200" dirty="0"/>
+            </a:p>
+          </p:txBody>
+        </p:sp>
+        <p:sp>
+          <p:nvSpPr>
+            <p:cNvPr id="35" name="TextBox 34"/>
+            <p:cNvSpPr txBox="1"/>
+            <p:nvPr/>
+          </p:nvSpPr>
+          <p:spPr>
+            <a:xfrm>
+              <a:off x="3027948" y="5984791"/>
+              <a:ext cx="653715" cy="276999"/>
+            </a:xfrm>
+            <a:prstGeom prst="rect">
+              <a:avLst/>
+            </a:prstGeom>
+            <a:noFill/>
+          </p:spPr>
+          <p:txBody>
+            <a:bodyPr wrap="square" rtlCol="0">
+              <a:spAutoFit/>
+            </a:bodyPr>
+            <a:lstStyle/>
+            <a:p>
+              <a:r>
+                <a:rPr lang="en-US" sz="1200" dirty="0" smtClean="0"/>
+                <a:t>~a1*a2</a:t>
+              </a:r>
+              <a:endParaRPr lang="en-US" sz="1200" dirty="0"/>
+            </a:p>
+          </p:txBody>
+        </p:sp>
+        <p:sp>
+          <p:nvSpPr>
+            <p:cNvPr id="36" name="Oval 35"/>
+            <p:cNvSpPr/>
+            <p:nvPr/>
+          </p:nvSpPr>
+          <p:spPr>
+            <a:xfrm>
+              <a:off x="2654969" y="4683240"/>
+              <a:ext cx="128337" cy="128337"/>
+            </a:xfrm>
+            <a:prstGeom prst="ellipse">
+              <a:avLst/>
+            </a:prstGeom>
+          </p:spPr>
+          <p:style>
+            <a:lnRef idx="2">
+              <a:schemeClr val="accent1">
+                <a:shade val="50000"/>
+              </a:schemeClr>
+            </a:lnRef>
+            <a:fillRef idx="1">
+              <a:schemeClr val="accent1"/>
+            </a:fillRef>
+            <a:effectRef idx="0">
+              <a:schemeClr val="accent1"/>
+            </a:effectRef>
+            <a:fontRef idx="minor">
+              <a:schemeClr val="lt1"/>
+            </a:fontRef>
+          </p:style>
+          <p:txBody>
+            <a:bodyPr rtlCol="0" anchor="ctr"/>
+            <a:lstStyle/>
+            <a:p>
+              <a:pPr algn="ctr"/>
+              <a:endParaRPr lang="en-US"/>
+            </a:p>
+          </p:txBody>
+        </p:sp>
+        <p:sp>
+          <p:nvSpPr>
+            <p:cNvPr id="37" name="Oval 36"/>
+            <p:cNvSpPr/>
+            <p:nvPr/>
+          </p:nvSpPr>
+          <p:spPr>
+            <a:xfrm>
+              <a:off x="3970421" y="5934524"/>
+              <a:ext cx="128337" cy="128337"/>
+            </a:xfrm>
+            <a:prstGeom prst="ellipse">
+              <a:avLst/>
+            </a:prstGeom>
+          </p:spPr>
+          <p:style>
+            <a:lnRef idx="2">
+              <a:schemeClr val="accent1">
+                <a:shade val="50000"/>
+              </a:schemeClr>
+            </a:lnRef>
+            <a:fillRef idx="1">
+              <a:schemeClr val="accent1"/>
+            </a:fillRef>
+            <a:effectRef idx="0">
+              <a:schemeClr val="accent1"/>
+            </a:effectRef>
+            <a:fontRef idx="minor">
+              <a:schemeClr val="lt1"/>
+            </a:fontRef>
+          </p:style>
+          <p:txBody>
+            <a:bodyPr rtlCol="0" anchor="ctr"/>
+            <a:lstStyle/>
+            <a:p>
+              <a:pPr algn="ctr"/>
+              <a:endParaRPr lang="en-US"/>
+            </a:p>
+          </p:txBody>
+        </p:sp>
+        <p:sp>
+          <p:nvSpPr>
+            <p:cNvPr id="40" name="Oval 39"/>
+            <p:cNvSpPr/>
+            <p:nvPr/>
+          </p:nvSpPr>
+          <p:spPr>
+            <a:xfrm>
+              <a:off x="3272590" y="4209997"/>
+              <a:ext cx="128337" cy="128337"/>
+            </a:xfrm>
+            <a:prstGeom prst="ellipse">
+              <a:avLst/>
+            </a:prstGeom>
+            <a:noFill/>
+          </p:spPr>
+          <p:style>
+            <a:lnRef idx="2">
+              <a:schemeClr val="accent1">
+                <a:shade val="50000"/>
+              </a:schemeClr>
+            </a:lnRef>
+            <a:fillRef idx="1">
+              <a:schemeClr val="accent1"/>
+            </a:fillRef>
+            <a:effectRef idx="0">
+              <a:schemeClr val="accent1"/>
+            </a:effectRef>
+            <a:fontRef idx="minor">
+              <a:schemeClr val="lt1"/>
+            </a:fontRef>
+          </p:style>
+          <p:txBody>
+            <a:bodyPr rtlCol="0" anchor="ctr"/>
+            <a:lstStyle/>
+            <a:p>
+              <a:pPr algn="ctr"/>
+              <a:endParaRPr lang="en-US"/>
+            </a:p>
+          </p:txBody>
+        </p:sp>
+        <p:sp>
+          <p:nvSpPr>
+            <p:cNvPr id="41" name="Oval 40"/>
+            <p:cNvSpPr/>
+            <p:nvPr/>
+          </p:nvSpPr>
+          <p:spPr>
+            <a:xfrm>
+              <a:off x="3272590" y="3946901"/>
+              <a:ext cx="128337" cy="128337"/>
+            </a:xfrm>
+            <a:prstGeom prst="ellipse">
+              <a:avLst/>
+            </a:prstGeom>
+          </p:spPr>
+          <p:style>
+            <a:lnRef idx="2">
+              <a:schemeClr val="accent1">
+                <a:shade val="50000"/>
+              </a:schemeClr>
+            </a:lnRef>
+            <a:fillRef idx="1">
+              <a:schemeClr val="accent1"/>
+            </a:fillRef>
+            <a:effectRef idx="0">
+              <a:schemeClr val="accent1"/>
+            </a:effectRef>
+            <a:fontRef idx="minor">
+              <a:schemeClr val="lt1"/>
+            </a:fontRef>
+          </p:style>
+          <p:txBody>
+            <a:bodyPr rtlCol="0" anchor="ctr"/>
+            <a:lstStyle/>
+            <a:p>
+              <a:pPr algn="ctr"/>
+              <a:endParaRPr lang="en-US"/>
+            </a:p>
+          </p:txBody>
+        </p:sp>
+        <p:sp>
+          <p:nvSpPr>
+            <p:cNvPr id="42" name="TextBox 41"/>
+            <p:cNvSpPr txBox="1"/>
+            <p:nvPr/>
+          </p:nvSpPr>
+          <p:spPr>
+            <a:xfrm>
+              <a:off x="3400927" y="3872569"/>
+              <a:ext cx="240632" cy="276999"/>
+            </a:xfrm>
+            <a:prstGeom prst="rect">
+              <a:avLst/>
+            </a:prstGeom>
+            <a:noFill/>
+          </p:spPr>
+          <p:txBody>
+            <a:bodyPr wrap="square" rtlCol="0">
+              <a:spAutoFit/>
+            </a:bodyPr>
+            <a:lstStyle/>
+            <a:p>
+              <a:r>
+                <a:rPr lang="en-US" sz="1200" dirty="0"/>
+                <a:t>1</a:t>
+              </a:r>
+            </a:p>
+          </p:txBody>
+        </p:sp>
+        <p:sp>
+          <p:nvSpPr>
+            <p:cNvPr id="43" name="TextBox 42"/>
+            <p:cNvSpPr txBox="1"/>
+            <p:nvPr/>
+          </p:nvSpPr>
+          <p:spPr>
+            <a:xfrm>
+              <a:off x="3400927" y="4123363"/>
+              <a:ext cx="240632" cy="276999"/>
+            </a:xfrm>
+            <a:prstGeom prst="rect">
+              <a:avLst/>
+            </a:prstGeom>
+            <a:noFill/>
+          </p:spPr>
+          <p:txBody>
+            <a:bodyPr wrap="square" rtlCol="0">
+              <a:spAutoFit/>
+            </a:bodyPr>
+            <a:lstStyle/>
+            <a:p>
+              <a:r>
+                <a:rPr lang="en-US" sz="1200" dirty="0" smtClean="0"/>
+                <a:t>0</a:t>
+              </a:r>
+              <a:endParaRPr lang="en-US" sz="1200" dirty="0"/>
+            </a:p>
+          </p:txBody>
+        </p:sp>
+        <p:sp>
+          <p:nvSpPr>
+            <p:cNvPr id="47" name="TextBox 46"/>
+            <p:cNvSpPr txBox="1"/>
+            <p:nvPr/>
+          </p:nvSpPr>
+          <p:spPr>
+            <a:xfrm>
+              <a:off x="3896225" y="6156974"/>
+              <a:ext cx="276727" cy="276999"/>
+            </a:xfrm>
+            <a:prstGeom prst="rect">
+              <a:avLst/>
+            </a:prstGeom>
+            <a:noFill/>
+          </p:spPr>
+          <p:txBody>
+            <a:bodyPr wrap="square" rtlCol="0">
+              <a:spAutoFit/>
+            </a:bodyPr>
+            <a:lstStyle/>
+            <a:p>
+              <a:r>
+                <a:rPr lang="en-US" sz="1200" dirty="0" smtClean="0"/>
+                <a:t>1</a:t>
+              </a:r>
+              <a:endParaRPr lang="en-US" sz="1200" dirty="0"/>
+            </a:p>
+          </p:txBody>
+        </p:sp>
+        <p:sp>
+          <p:nvSpPr>
+            <p:cNvPr id="48" name="TextBox 47"/>
+            <p:cNvSpPr txBox="1"/>
+            <p:nvPr/>
+          </p:nvSpPr>
+          <p:spPr>
+            <a:xfrm>
+              <a:off x="2354179" y="4608908"/>
+              <a:ext cx="276727" cy="276999"/>
+            </a:xfrm>
+            <a:prstGeom prst="rect">
+              <a:avLst/>
+            </a:prstGeom>
+            <a:noFill/>
+          </p:spPr>
+          <p:txBody>
+            <a:bodyPr wrap="square" rtlCol="0">
+              <a:spAutoFit/>
+            </a:bodyPr>
+            <a:lstStyle/>
+            <a:p>
+              <a:r>
+                <a:rPr lang="en-US" sz="1200" dirty="0" smtClean="0"/>
+                <a:t>1</a:t>
+              </a:r>
+              <a:endParaRPr lang="en-US" sz="1200" dirty="0"/>
+            </a:p>
+          </p:txBody>
+        </p:sp>
+        <p:sp>
+          <p:nvSpPr>
+            <p:cNvPr id="49" name="TextBox 48"/>
+            <p:cNvSpPr txBox="1"/>
+            <p:nvPr/>
+          </p:nvSpPr>
+          <p:spPr>
+            <a:xfrm>
+              <a:off x="2516605" y="5955102"/>
+              <a:ext cx="276727" cy="276999"/>
+            </a:xfrm>
+            <a:prstGeom prst="rect">
+              <a:avLst/>
+            </a:prstGeom>
+            <a:noFill/>
+          </p:spPr>
+          <p:txBody>
+            <a:bodyPr wrap="square" rtlCol="0">
+              <a:spAutoFit/>
+            </a:bodyPr>
+            <a:lstStyle/>
+            <a:p>
+              <a:r>
+                <a:rPr lang="en-US" sz="1200" dirty="0"/>
+                <a:t>0</a:t>
+              </a:r>
+              <a:endParaRPr lang="en-US" sz="1200" dirty="0"/>
+            </a:p>
+          </p:txBody>
+        </p:sp>
+      </p:grpSp>
+      <p:grpSp>
+        <p:nvGrpSpPr>
+          <p:cNvPr id="51" name="Group 50"/>
+          <p:cNvGrpSpPr/>
+          <p:nvPr/>
+        </p:nvGrpSpPr>
+        <p:grpSpPr>
+          <a:xfrm>
+            <a:off x="2193756" y="232065"/>
+            <a:ext cx="1929065" cy="2547502"/>
+            <a:chOff x="2193756" y="232065"/>
+            <a:chExt cx="1929065" cy="2547502"/>
+          </a:xfrm>
+        </p:grpSpPr>
+        <p:cxnSp>
+          <p:nvCxnSpPr>
+            <p:cNvPr id="5" name="Straight Connector 4"/>
+            <p:cNvCxnSpPr/>
+            <p:nvPr/>
+          </p:nvCxnSpPr>
+          <p:spPr>
+            <a:xfrm>
+              <a:off x="2566737" y="898358"/>
+              <a:ext cx="0" cy="1604210"/>
+            </a:xfrm>
+            <a:prstGeom prst="line">
+              <a:avLst/>
+            </a:prstGeom>
+          </p:spPr>
+          <p:style>
+            <a:lnRef idx="1">
+              <a:schemeClr val="accent1"/>
+            </a:lnRef>
+            <a:fillRef idx="0">
+              <a:schemeClr val="accent1"/>
+            </a:fillRef>
+            <a:effectRef idx="0">
+              <a:schemeClr val="accent1"/>
+            </a:effectRef>
+            <a:fontRef idx="minor">
+              <a:schemeClr val="tx1"/>
+            </a:fontRef>
+          </p:style>
+        </p:cxnSp>
+        <p:cxnSp>
+          <p:nvCxnSpPr>
+            <p:cNvPr id="6" name="Straight Connector 5"/>
+            <p:cNvCxnSpPr/>
+            <p:nvPr/>
+          </p:nvCxnSpPr>
+          <p:spPr>
+            <a:xfrm>
+              <a:off x="2374232" y="2358189"/>
+              <a:ext cx="1748589" cy="0"/>
+            </a:xfrm>
+            <a:prstGeom prst="line">
+              <a:avLst/>
+            </a:prstGeom>
+          </p:spPr>
+          <p:style>
+            <a:lnRef idx="1">
+              <a:schemeClr val="accent1"/>
+            </a:lnRef>
+            <a:fillRef idx="0">
+              <a:schemeClr val="accent1"/>
+            </a:fillRef>
+            <a:effectRef idx="0">
+              <a:schemeClr val="accent1"/>
+            </a:effectRef>
+            <a:fontRef idx="minor">
+              <a:schemeClr val="tx1"/>
+            </a:fontRef>
+          </p:style>
+        </p:cxnSp>
+        <p:cxnSp>
+          <p:nvCxnSpPr>
+            <p:cNvPr id="15" name="Straight Connector 14"/>
+            <p:cNvCxnSpPr/>
+            <p:nvPr/>
+          </p:nvCxnSpPr>
+          <p:spPr>
+            <a:xfrm>
+              <a:off x="3882189" y="2237874"/>
+              <a:ext cx="0" cy="264694"/>
+            </a:xfrm>
+            <a:prstGeom prst="line">
+              <a:avLst/>
+            </a:prstGeom>
+          </p:spPr>
+          <p:style>
+            <a:lnRef idx="1">
+              <a:schemeClr val="accent1"/>
+            </a:lnRef>
+            <a:fillRef idx="0">
+              <a:schemeClr val="accent1"/>
+            </a:fillRef>
+            <a:effectRef idx="0">
+              <a:schemeClr val="accent1"/>
+            </a:effectRef>
+            <a:fontRef idx="minor">
+              <a:schemeClr val="tx1"/>
+            </a:fontRef>
+          </p:style>
+        </p:cxnSp>
+        <p:cxnSp>
+          <p:nvCxnSpPr>
+            <p:cNvPr id="16" name="Straight Connector 15"/>
+            <p:cNvCxnSpPr/>
+            <p:nvPr/>
+          </p:nvCxnSpPr>
+          <p:spPr>
+            <a:xfrm flipH="1">
+              <a:off x="2422358" y="1106905"/>
+              <a:ext cx="296778" cy="0"/>
+            </a:xfrm>
+            <a:prstGeom prst="line">
+              <a:avLst/>
+            </a:prstGeom>
+          </p:spPr>
+          <p:style>
+            <a:lnRef idx="1">
+              <a:schemeClr val="accent1"/>
+            </a:lnRef>
+            <a:fillRef idx="0">
+              <a:schemeClr val="accent1"/>
+            </a:fillRef>
+            <a:effectRef idx="0">
+              <a:schemeClr val="accent1"/>
+            </a:effectRef>
+            <a:fontRef idx="minor">
+              <a:schemeClr val="tx1"/>
+            </a:fontRef>
+          </p:style>
+        </p:cxnSp>
+        <p:sp>
+          <p:nvSpPr>
+            <p:cNvPr id="18" name="TextBox 17"/>
+            <p:cNvSpPr txBox="1"/>
+            <p:nvPr/>
+          </p:nvSpPr>
+          <p:spPr>
+            <a:xfrm>
+              <a:off x="2221831" y="1561963"/>
+              <a:ext cx="344906" cy="276999"/>
+            </a:xfrm>
+            <a:prstGeom prst="rect">
+              <a:avLst/>
+            </a:prstGeom>
+            <a:noFill/>
+          </p:spPr>
+          <p:txBody>
+            <a:bodyPr wrap="square" rtlCol="0">
+              <a:spAutoFit/>
+            </a:bodyPr>
+            <a:lstStyle/>
+            <a:p>
+              <a:r>
+                <a:rPr lang="en-US" sz="1200" dirty="0" smtClean="0"/>
+                <a:t>a2</a:t>
+              </a:r>
+              <a:endParaRPr lang="en-US" sz="1200" dirty="0"/>
+            </a:p>
+          </p:txBody>
+        </p:sp>
+        <p:sp>
+          <p:nvSpPr>
+            <p:cNvPr id="19" name="TextBox 18"/>
+            <p:cNvSpPr txBox="1"/>
+            <p:nvPr/>
+          </p:nvSpPr>
+          <p:spPr>
+            <a:xfrm>
+              <a:off x="3076073" y="2344287"/>
+              <a:ext cx="344906" cy="276999"/>
+            </a:xfrm>
+            <a:prstGeom prst="rect">
+              <a:avLst/>
+            </a:prstGeom>
+            <a:noFill/>
+          </p:spPr>
+          <p:txBody>
+            <a:bodyPr wrap="square" rtlCol="0">
+              <a:spAutoFit/>
+            </a:bodyPr>
+            <a:lstStyle/>
+            <a:p>
+              <a:r>
+                <a:rPr lang="en-US" sz="1200" dirty="0" smtClean="0"/>
+                <a:t>a1</a:t>
+              </a:r>
+              <a:endParaRPr lang="en-US" sz="1200" dirty="0"/>
+            </a:p>
+          </p:txBody>
+        </p:sp>
+        <p:sp>
+          <p:nvSpPr>
+            <p:cNvPr id="20" name="Oval 19"/>
+            <p:cNvSpPr/>
+            <p:nvPr/>
+          </p:nvSpPr>
+          <p:spPr>
+            <a:xfrm>
+              <a:off x="2502568" y="1042736"/>
+              <a:ext cx="128337" cy="128337"/>
+            </a:xfrm>
+            <a:prstGeom prst="ellipse">
+              <a:avLst/>
+            </a:prstGeom>
+          </p:spPr>
+          <p:style>
+            <a:lnRef idx="2">
+              <a:schemeClr val="accent1">
+                <a:shade val="50000"/>
+              </a:schemeClr>
+            </a:lnRef>
+            <a:fillRef idx="1">
+              <a:schemeClr val="accent1"/>
+            </a:fillRef>
+            <a:effectRef idx="0">
+              <a:schemeClr val="accent1"/>
+            </a:effectRef>
+            <a:fontRef idx="minor">
+              <a:schemeClr val="lt1"/>
+            </a:fontRef>
+          </p:style>
+          <p:txBody>
+            <a:bodyPr rtlCol="0" anchor="ctr"/>
+            <a:lstStyle/>
+            <a:p>
+              <a:pPr algn="ctr"/>
+              <a:endParaRPr lang="en-US"/>
+            </a:p>
+          </p:txBody>
+        </p:sp>
+        <p:sp>
+          <p:nvSpPr>
+            <p:cNvPr id="21" name="Oval 20"/>
+            <p:cNvSpPr/>
+            <p:nvPr/>
+          </p:nvSpPr>
+          <p:spPr>
+            <a:xfrm>
+              <a:off x="3818020" y="2294020"/>
+              <a:ext cx="128337" cy="128337"/>
+            </a:xfrm>
+            <a:prstGeom prst="ellipse">
+              <a:avLst/>
+            </a:prstGeom>
+          </p:spPr>
+          <p:style>
+            <a:lnRef idx="2">
+              <a:schemeClr val="accent1">
+                <a:shade val="50000"/>
+              </a:schemeClr>
+            </a:lnRef>
+            <a:fillRef idx="1">
+              <a:schemeClr val="accent1"/>
+            </a:fillRef>
+            <a:effectRef idx="0">
+              <a:schemeClr val="accent1"/>
+            </a:effectRef>
+            <a:fontRef idx="minor">
+              <a:schemeClr val="lt1"/>
+            </a:fontRef>
+          </p:style>
+          <p:txBody>
+            <a:bodyPr rtlCol="0" anchor="ctr"/>
+            <a:lstStyle/>
+            <a:p>
+              <a:pPr algn="ctr"/>
+              <a:endParaRPr lang="en-US"/>
+            </a:p>
+          </p:txBody>
+        </p:sp>
+        <p:sp>
+          <p:nvSpPr>
+            <p:cNvPr id="22" name="Oval 21"/>
+            <p:cNvSpPr/>
+            <p:nvPr/>
+          </p:nvSpPr>
+          <p:spPr>
+            <a:xfrm>
+              <a:off x="3818020" y="1042735"/>
+              <a:ext cx="128337" cy="128337"/>
+            </a:xfrm>
+            <a:prstGeom prst="ellipse">
+              <a:avLst/>
+            </a:prstGeom>
+            <a:noFill/>
+          </p:spPr>
+          <p:style>
+            <a:lnRef idx="2">
+              <a:schemeClr val="accent1">
+                <a:shade val="50000"/>
+              </a:schemeClr>
+            </a:lnRef>
+            <a:fillRef idx="1">
+              <a:schemeClr val="accent1"/>
+            </a:fillRef>
+            <a:effectRef idx="0">
+              <a:schemeClr val="accent1"/>
+            </a:effectRef>
+            <a:fontRef idx="minor">
+              <a:schemeClr val="lt1"/>
+            </a:fontRef>
+          </p:style>
+          <p:txBody>
+            <a:bodyPr rtlCol="0" anchor="ctr"/>
+            <a:lstStyle/>
+            <a:p>
+              <a:pPr algn="ctr"/>
+              <a:endParaRPr lang="en-US"/>
+            </a:p>
+          </p:txBody>
+        </p:sp>
+        <p:sp>
+          <p:nvSpPr>
+            <p:cNvPr id="23" name="Oval 22"/>
+            <p:cNvSpPr/>
+            <p:nvPr/>
+          </p:nvSpPr>
+          <p:spPr>
+            <a:xfrm>
+              <a:off x="2502568" y="2294020"/>
+              <a:ext cx="128337" cy="128337"/>
+            </a:xfrm>
+            <a:prstGeom prst="ellipse">
+              <a:avLst/>
+            </a:prstGeom>
+            <a:noFill/>
+          </p:spPr>
+          <p:style>
+            <a:lnRef idx="2">
+              <a:schemeClr val="accent1">
+                <a:shade val="50000"/>
+              </a:schemeClr>
+            </a:lnRef>
+            <a:fillRef idx="1">
+              <a:schemeClr val="accent1"/>
+            </a:fillRef>
+            <a:effectRef idx="0">
+              <a:schemeClr val="accent1"/>
+            </a:effectRef>
+            <a:fontRef idx="minor">
+              <a:schemeClr val="lt1"/>
+            </a:fontRef>
+          </p:style>
+          <p:txBody>
+            <a:bodyPr rtlCol="0" anchor="ctr"/>
+            <a:lstStyle/>
+            <a:p>
+              <a:pPr algn="ctr"/>
+              <a:endParaRPr lang="en-US"/>
+            </a:p>
+          </p:txBody>
+        </p:sp>
+        <p:sp>
+          <p:nvSpPr>
+            <p:cNvPr id="24" name="Oval 23"/>
+            <p:cNvSpPr/>
+            <p:nvPr/>
+          </p:nvSpPr>
+          <p:spPr>
+            <a:xfrm>
+              <a:off x="3120189" y="569493"/>
+              <a:ext cx="128337" cy="128337"/>
+            </a:xfrm>
+            <a:prstGeom prst="ellipse">
+              <a:avLst/>
+            </a:prstGeom>
+            <a:noFill/>
+          </p:spPr>
+          <p:style>
+            <a:lnRef idx="2">
+              <a:schemeClr val="accent1">
+                <a:shade val="50000"/>
+              </a:schemeClr>
+            </a:lnRef>
+            <a:fillRef idx="1">
+              <a:schemeClr val="accent1"/>
+            </a:fillRef>
+            <a:effectRef idx="0">
+              <a:schemeClr val="accent1"/>
+            </a:effectRef>
+            <a:fontRef idx="minor">
+              <a:schemeClr val="lt1"/>
+            </a:fontRef>
+          </p:style>
+          <p:txBody>
+            <a:bodyPr rtlCol="0" anchor="ctr"/>
+            <a:lstStyle/>
+            <a:p>
+              <a:pPr algn="ctr"/>
+              <a:endParaRPr lang="en-US"/>
+            </a:p>
+          </p:txBody>
+        </p:sp>
+        <p:sp>
+          <p:nvSpPr>
+            <p:cNvPr id="25" name="Oval 24"/>
+            <p:cNvSpPr/>
+            <p:nvPr/>
+          </p:nvSpPr>
+          <p:spPr>
+            <a:xfrm>
+              <a:off x="3120189" y="306397"/>
+              <a:ext cx="128337" cy="128337"/>
+            </a:xfrm>
+            <a:prstGeom prst="ellipse">
+              <a:avLst/>
+            </a:prstGeom>
+          </p:spPr>
+          <p:style>
+            <a:lnRef idx="2">
+              <a:schemeClr val="accent1">
+                <a:shade val="50000"/>
+              </a:schemeClr>
+            </a:lnRef>
+            <a:fillRef idx="1">
+              <a:schemeClr val="accent1"/>
+            </a:fillRef>
+            <a:effectRef idx="0">
+              <a:schemeClr val="accent1"/>
+            </a:effectRef>
+            <a:fontRef idx="minor">
+              <a:schemeClr val="lt1"/>
+            </a:fontRef>
+          </p:style>
+          <p:txBody>
+            <a:bodyPr rtlCol="0" anchor="ctr"/>
+            <a:lstStyle/>
+            <a:p>
+              <a:pPr algn="ctr"/>
+              <a:endParaRPr lang="en-US"/>
+            </a:p>
+          </p:txBody>
+        </p:sp>
+        <p:sp>
+          <p:nvSpPr>
+            <p:cNvPr id="26" name="TextBox 25"/>
+            <p:cNvSpPr txBox="1"/>
+            <p:nvPr/>
+          </p:nvSpPr>
+          <p:spPr>
+            <a:xfrm>
+              <a:off x="3248526" y="232065"/>
+              <a:ext cx="240632" cy="276999"/>
+            </a:xfrm>
+            <a:prstGeom prst="rect">
+              <a:avLst/>
+            </a:prstGeom>
+            <a:noFill/>
+          </p:spPr>
+          <p:txBody>
+            <a:bodyPr wrap="square" rtlCol="0">
+              <a:spAutoFit/>
+            </a:bodyPr>
+            <a:lstStyle/>
+            <a:p>
+              <a:r>
+                <a:rPr lang="en-US" sz="1200" dirty="0"/>
+                <a:t>1</a:t>
+              </a:r>
+            </a:p>
+          </p:txBody>
+        </p:sp>
+        <p:sp>
+          <p:nvSpPr>
+            <p:cNvPr id="27" name="TextBox 26"/>
+            <p:cNvSpPr txBox="1"/>
+            <p:nvPr/>
+          </p:nvSpPr>
+          <p:spPr>
+            <a:xfrm>
+              <a:off x="3248526" y="482859"/>
+              <a:ext cx="240632" cy="276999"/>
+            </a:xfrm>
+            <a:prstGeom prst="rect">
+              <a:avLst/>
+            </a:prstGeom>
+            <a:noFill/>
+          </p:spPr>
+          <p:txBody>
+            <a:bodyPr wrap="square" rtlCol="0">
+              <a:spAutoFit/>
+            </a:bodyPr>
+            <a:lstStyle/>
+            <a:p>
+              <a:r>
+                <a:rPr lang="en-US" sz="1200" dirty="0" smtClean="0"/>
+                <a:t>0</a:t>
+              </a:r>
+              <a:endParaRPr lang="en-US" sz="1200" dirty="0"/>
+            </a:p>
+          </p:txBody>
+        </p:sp>
+        <p:sp>
+          <p:nvSpPr>
+            <p:cNvPr id="45" name="TextBox 44"/>
+            <p:cNvSpPr txBox="1"/>
+            <p:nvPr/>
+          </p:nvSpPr>
+          <p:spPr>
+            <a:xfrm>
+              <a:off x="3743824" y="2502568"/>
+              <a:ext cx="276727" cy="276999"/>
+            </a:xfrm>
+            <a:prstGeom prst="rect">
+              <a:avLst/>
+            </a:prstGeom>
+            <a:noFill/>
+          </p:spPr>
+          <p:txBody>
+            <a:bodyPr wrap="square" rtlCol="0">
+              <a:spAutoFit/>
+            </a:bodyPr>
+            <a:lstStyle/>
+            <a:p>
+              <a:r>
+                <a:rPr lang="en-US" sz="1200" dirty="0" smtClean="0"/>
+                <a:t>1</a:t>
+              </a:r>
+              <a:endParaRPr lang="en-US" sz="1200" dirty="0"/>
+            </a:p>
+          </p:txBody>
+        </p:sp>
+        <p:sp>
+          <p:nvSpPr>
+            <p:cNvPr id="46" name="TextBox 45"/>
+            <p:cNvSpPr txBox="1"/>
+            <p:nvPr/>
+          </p:nvSpPr>
+          <p:spPr>
+            <a:xfrm>
+              <a:off x="2193756" y="968403"/>
+              <a:ext cx="276727" cy="276999"/>
+            </a:xfrm>
+            <a:prstGeom prst="rect">
+              <a:avLst/>
+            </a:prstGeom>
+            <a:noFill/>
+          </p:spPr>
+          <p:txBody>
+            <a:bodyPr wrap="square" rtlCol="0">
+              <a:spAutoFit/>
+            </a:bodyPr>
+            <a:lstStyle/>
+            <a:p>
+              <a:r>
+                <a:rPr lang="en-US" sz="1200" dirty="0" smtClean="0"/>
+                <a:t>1</a:t>
+              </a:r>
+              <a:endParaRPr lang="en-US" sz="1200" dirty="0"/>
+            </a:p>
+          </p:txBody>
+        </p:sp>
+        <p:sp>
+          <p:nvSpPr>
+            <p:cNvPr id="50" name="TextBox 49"/>
+            <p:cNvSpPr txBox="1"/>
+            <p:nvPr/>
+          </p:nvSpPr>
+          <p:spPr>
+            <a:xfrm>
+              <a:off x="2338136" y="2353523"/>
+              <a:ext cx="276727" cy="276999"/>
+            </a:xfrm>
+            <a:prstGeom prst="rect">
+              <a:avLst/>
+            </a:prstGeom>
+            <a:noFill/>
+          </p:spPr>
+          <p:txBody>
+            <a:bodyPr wrap="square" rtlCol="0">
+              <a:spAutoFit/>
+            </a:bodyPr>
+            <a:lstStyle/>
+            <a:p>
+              <a:r>
+                <a:rPr lang="en-US" sz="1200" dirty="0"/>
+                <a:t>0</a:t>
+              </a:r>
+              <a:endParaRPr lang="en-US" sz="1200" dirty="0"/>
+            </a:p>
+          </p:txBody>
+        </p:sp>
+      </p:grpSp>
+    </p:spTree>
+    <p:extLst>
+      <p:ext uri="{BB962C8B-B14F-4D97-AF65-F5344CB8AC3E}">
+        <p14:creationId xmlns:p14="http://schemas.microsoft.com/office/powerpoint/2010/main" val="3552923435"/>
+      </p:ext>
+    </p:extLst>
+  </p:cSld>
+  <p:clrMapOvr>
+    <a:masterClrMapping/>
+  </p:clrMapOvr>
+</p:sld>
+</file>
+
+<file path=ppt/slides/slide3.xml><?xml version="1.0" encoding="utf-8"?>
+<p:sld xmlns:a="http://schemas.openxmlformats.org/drawingml/2006/main" xmlns:r="http://schemas.openxmlformats.org/officeDocument/2006/relationships" xmlns:p="http://schemas.openxmlformats.org/presentationml/2006/main">
+  <p:cSld>
+    <p:spTree>
+      <p:nvGrpSpPr>
+        <p:cNvPr id="1" name=""/>
+        <p:cNvGrpSpPr/>
+        <p:nvPr/>
+      </p:nvGrpSpPr>
+      <p:grpSpPr>
+        <a:xfrm>
+          <a:off x="0" y="0"/>
+          <a:ext cx="0" cy="0"/>
+          <a:chOff x="0" y="0"/>
+          <a:chExt cx="0" cy="0"/>
+        </a:xfrm>
+      </p:grpSpPr>
+      <p:grpSp>
+        <p:nvGrpSpPr>
+          <p:cNvPr id="53" name="Group 52"/>
+          <p:cNvGrpSpPr/>
+          <p:nvPr/>
+        </p:nvGrpSpPr>
+        <p:grpSpPr>
+          <a:xfrm>
+            <a:off x="1524001" y="657726"/>
+            <a:ext cx="4636167" cy="1307433"/>
+            <a:chOff x="1524001" y="657726"/>
+            <a:chExt cx="4636167" cy="1307433"/>
+          </a:xfrm>
+        </p:grpSpPr>
+        <p:sp>
+          <p:nvSpPr>
+            <p:cNvPr id="4" name="Oval 3"/>
+            <p:cNvSpPr/>
+            <p:nvPr/>
+          </p:nvSpPr>
+          <p:spPr>
+            <a:xfrm>
+              <a:off x="3200400" y="657726"/>
+              <a:ext cx="657726" cy="368969"/>
+            </a:xfrm>
+            <a:prstGeom prst="ellipse">
+              <a:avLst/>
+            </a:prstGeom>
+            <a:noFill/>
+          </p:spPr>
+          <p:style>
+            <a:lnRef idx="2">
+              <a:schemeClr val="accent1">
+                <a:shade val="50000"/>
+              </a:schemeClr>
+            </a:lnRef>
+            <a:fillRef idx="1">
+              <a:schemeClr val="accent1"/>
+            </a:fillRef>
+            <a:effectRef idx="0">
+              <a:schemeClr val="accent1"/>
+            </a:effectRef>
+            <a:fontRef idx="minor">
+              <a:schemeClr val="lt1"/>
+            </a:fontRef>
+          </p:style>
+          <p:txBody>
+            <a:bodyPr rtlCol="0" anchor="ctr"/>
+            <a:lstStyle/>
+            <a:p>
+              <a:pPr algn="ctr"/>
+              <a:endParaRPr lang="en-US"/>
+            </a:p>
+          </p:txBody>
+        </p:sp>
+        <p:sp>
+          <p:nvSpPr>
+            <p:cNvPr id="6" name="Oval 5"/>
+            <p:cNvSpPr/>
+            <p:nvPr/>
+          </p:nvSpPr>
+          <p:spPr>
+            <a:xfrm>
+              <a:off x="3200400" y="1596190"/>
+              <a:ext cx="657726" cy="368969"/>
+            </a:xfrm>
+            <a:prstGeom prst="ellipse">
+              <a:avLst/>
+            </a:prstGeom>
+            <a:noFill/>
+          </p:spPr>
+          <p:style>
+            <a:lnRef idx="2">
+              <a:schemeClr val="accent1">
+                <a:shade val="50000"/>
+              </a:schemeClr>
+            </a:lnRef>
+            <a:fillRef idx="1">
+              <a:schemeClr val="accent1"/>
+            </a:fillRef>
+            <a:effectRef idx="0">
+              <a:schemeClr val="accent1"/>
+            </a:effectRef>
+            <a:fontRef idx="minor">
+              <a:schemeClr val="lt1"/>
+            </a:fontRef>
+          </p:style>
+          <p:txBody>
+            <a:bodyPr rtlCol="0" anchor="ctr"/>
+            <a:lstStyle/>
+            <a:p>
+              <a:pPr algn="ctr"/>
+              <a:endParaRPr lang="en-US"/>
+            </a:p>
+          </p:txBody>
+        </p:sp>
+        <p:sp>
+          <p:nvSpPr>
+            <p:cNvPr id="7" name="TextBox 6"/>
+            <p:cNvSpPr txBox="1"/>
+            <p:nvPr/>
+          </p:nvSpPr>
+          <p:spPr>
+            <a:xfrm>
+              <a:off x="1524001" y="686834"/>
+              <a:ext cx="368968" cy="307777"/>
+            </a:xfrm>
+            <a:prstGeom prst="rect">
+              <a:avLst/>
+            </a:prstGeom>
+            <a:noFill/>
+          </p:spPr>
+          <p:txBody>
+            <a:bodyPr wrap="square" rtlCol="0">
+              <a:spAutoFit/>
+            </a:bodyPr>
+            <a:lstStyle/>
+            <a:p>
+              <a:r>
+                <a:rPr lang="en-US" sz="1400" dirty="0" smtClean="0"/>
+                <a:t>a1</a:t>
+              </a:r>
+              <a:endParaRPr lang="en-US" sz="1400" dirty="0"/>
+            </a:p>
+          </p:txBody>
+        </p:sp>
+        <p:sp>
+          <p:nvSpPr>
+            <p:cNvPr id="8" name="TextBox 7"/>
+            <p:cNvSpPr txBox="1"/>
+            <p:nvPr/>
+          </p:nvSpPr>
+          <p:spPr>
+            <a:xfrm>
+              <a:off x="1524001" y="1625298"/>
+              <a:ext cx="368968" cy="307777"/>
+            </a:xfrm>
+            <a:prstGeom prst="rect">
+              <a:avLst/>
+            </a:prstGeom>
+            <a:noFill/>
+          </p:spPr>
+          <p:txBody>
+            <a:bodyPr wrap="square" rtlCol="0">
+              <a:spAutoFit/>
+            </a:bodyPr>
+            <a:lstStyle/>
+            <a:p>
+              <a:r>
+                <a:rPr lang="en-US" sz="1400" dirty="0" smtClean="0"/>
+                <a:t>a2</a:t>
+              </a:r>
+              <a:endParaRPr lang="en-US" sz="1400" dirty="0"/>
+            </a:p>
+          </p:txBody>
+        </p:sp>
+        <p:cxnSp>
+          <p:nvCxnSpPr>
+            <p:cNvPr id="10" name="Straight Connector 9"/>
+            <p:cNvCxnSpPr>
+              <a:stCxn id="4" idx="2"/>
+              <a:endCxn id="7" idx="3"/>
+            </p:cNvCxnSpPr>
+            <p:nvPr/>
+          </p:nvCxnSpPr>
+          <p:spPr>
+            <a:xfrm flipH="1" flipV="1">
+              <a:off x="1892969" y="840723"/>
+              <a:ext cx="1307431" cy="1488"/>
+            </a:xfrm>
+            <a:prstGeom prst="line">
+              <a:avLst/>
+            </a:prstGeom>
+          </p:spPr>
+          <p:style>
+            <a:lnRef idx="1">
+              <a:schemeClr val="accent1"/>
+            </a:lnRef>
+            <a:fillRef idx="0">
+              <a:schemeClr val="accent1"/>
+            </a:fillRef>
+            <a:effectRef idx="0">
+              <a:schemeClr val="accent1"/>
+            </a:effectRef>
+            <a:fontRef idx="minor">
+              <a:schemeClr val="tx1"/>
+            </a:fontRef>
+          </p:style>
+        </p:cxnSp>
+        <p:cxnSp>
+          <p:nvCxnSpPr>
+            <p:cNvPr id="12" name="Straight Connector 11"/>
+            <p:cNvCxnSpPr>
+              <a:stCxn id="4" idx="2"/>
+              <a:endCxn id="8" idx="3"/>
+            </p:cNvCxnSpPr>
+            <p:nvPr/>
+          </p:nvCxnSpPr>
+          <p:spPr>
+            <a:xfrm flipH="1">
+              <a:off x="1892969" y="842211"/>
+              <a:ext cx="1307431" cy="936976"/>
+            </a:xfrm>
+            <a:prstGeom prst="line">
+              <a:avLst/>
+            </a:prstGeom>
+          </p:spPr>
+          <p:style>
+            <a:lnRef idx="1">
+              <a:schemeClr val="accent1"/>
+            </a:lnRef>
+            <a:fillRef idx="0">
+              <a:schemeClr val="accent1"/>
+            </a:fillRef>
+            <a:effectRef idx="0">
+              <a:schemeClr val="accent1"/>
+            </a:effectRef>
+            <a:fontRef idx="minor">
+              <a:schemeClr val="tx1"/>
+            </a:fontRef>
+          </p:style>
+        </p:cxnSp>
+        <p:cxnSp>
+          <p:nvCxnSpPr>
+            <p:cNvPr id="14" name="Straight Connector 13"/>
+            <p:cNvCxnSpPr>
+              <a:stCxn id="7" idx="3"/>
+              <a:endCxn id="6" idx="2"/>
+            </p:cNvCxnSpPr>
+            <p:nvPr/>
+          </p:nvCxnSpPr>
+          <p:spPr>
+            <a:xfrm>
+              <a:off x="1892969" y="840723"/>
+              <a:ext cx="1307431" cy="939952"/>
+            </a:xfrm>
+            <a:prstGeom prst="line">
+              <a:avLst/>
+            </a:prstGeom>
+          </p:spPr>
+          <p:style>
+            <a:lnRef idx="1">
+              <a:schemeClr val="accent1"/>
+            </a:lnRef>
+            <a:fillRef idx="0">
+              <a:schemeClr val="accent1"/>
+            </a:fillRef>
+            <a:effectRef idx="0">
+              <a:schemeClr val="accent1"/>
+            </a:effectRef>
+            <a:fontRef idx="minor">
+              <a:schemeClr val="tx1"/>
+            </a:fontRef>
+          </p:style>
+        </p:cxnSp>
+        <p:cxnSp>
+          <p:nvCxnSpPr>
+            <p:cNvPr id="16" name="Straight Connector 15"/>
+            <p:cNvCxnSpPr>
+              <a:stCxn id="8" idx="3"/>
+              <a:endCxn id="6" idx="2"/>
+            </p:cNvCxnSpPr>
+            <p:nvPr/>
+          </p:nvCxnSpPr>
+          <p:spPr>
+            <a:xfrm>
+              <a:off x="1892969" y="1779187"/>
+              <a:ext cx="1307431" cy="1488"/>
+            </a:xfrm>
+            <a:prstGeom prst="line">
+              <a:avLst/>
+            </a:prstGeom>
+          </p:spPr>
+          <p:style>
+            <a:lnRef idx="1">
+              <a:schemeClr val="accent1"/>
+            </a:lnRef>
+            <a:fillRef idx="0">
+              <a:schemeClr val="accent1"/>
+            </a:fillRef>
+            <a:effectRef idx="0">
+              <a:schemeClr val="accent1"/>
+            </a:effectRef>
+            <a:fontRef idx="minor">
+              <a:schemeClr val="tx1"/>
+            </a:fontRef>
+          </p:style>
+        </p:cxnSp>
+        <p:sp>
+          <p:nvSpPr>
+            <p:cNvPr id="17" name="TextBox 16"/>
+            <p:cNvSpPr txBox="1"/>
+            <p:nvPr/>
+          </p:nvSpPr>
+          <p:spPr>
+            <a:xfrm>
+              <a:off x="3264567" y="686834"/>
+              <a:ext cx="529391" cy="276999"/>
+            </a:xfrm>
+            <a:prstGeom prst="rect">
+              <a:avLst/>
+            </a:prstGeom>
+            <a:noFill/>
+          </p:spPr>
+          <p:txBody>
+            <a:bodyPr wrap="square" rtlCol="0">
+              <a:spAutoFit/>
+            </a:bodyPr>
+            <a:lstStyle/>
+            <a:p>
+              <a:pPr algn="ctr"/>
+              <a:r>
+                <a:rPr lang="en-US" sz="1200" dirty="0" smtClean="0"/>
+                <a:t>a3</a:t>
+              </a:r>
+              <a:endParaRPr lang="en-US" sz="1200" dirty="0"/>
+            </a:p>
+          </p:txBody>
+        </p:sp>
+        <p:sp>
+          <p:nvSpPr>
+            <p:cNvPr id="18" name="TextBox 17"/>
+            <p:cNvSpPr txBox="1"/>
+            <p:nvPr/>
+          </p:nvSpPr>
+          <p:spPr>
+            <a:xfrm>
+              <a:off x="3264566" y="1625298"/>
+              <a:ext cx="529391" cy="276999"/>
+            </a:xfrm>
+            <a:prstGeom prst="rect">
+              <a:avLst/>
+            </a:prstGeom>
+            <a:noFill/>
+          </p:spPr>
+          <p:txBody>
+            <a:bodyPr wrap="square" rtlCol="0">
+              <a:spAutoFit/>
+            </a:bodyPr>
+            <a:lstStyle/>
+            <a:p>
+              <a:pPr algn="ctr"/>
+              <a:r>
+                <a:rPr lang="en-US" sz="1200" dirty="0" smtClean="0"/>
+                <a:t>a4</a:t>
+              </a:r>
+              <a:endParaRPr lang="en-US" sz="1200" dirty="0"/>
+            </a:p>
+          </p:txBody>
+        </p:sp>
+        <p:sp>
+          <p:nvSpPr>
+            <p:cNvPr id="19" name="TextBox 18"/>
+            <p:cNvSpPr txBox="1"/>
+            <p:nvPr/>
+          </p:nvSpPr>
+          <p:spPr>
+            <a:xfrm rot="1009400">
+              <a:off x="3947357" y="762958"/>
+              <a:ext cx="560182" cy="230832"/>
+            </a:xfrm>
+            <a:prstGeom prst="rect">
+              <a:avLst/>
+            </a:prstGeom>
+            <a:noFill/>
+          </p:spPr>
+          <p:txBody>
+            <a:bodyPr wrap="square" rtlCol="0">
+              <a:spAutoFit/>
+            </a:bodyPr>
+            <a:lstStyle/>
+            <a:p>
+              <a:r>
+                <a:rPr lang="en-US" sz="900" dirty="0" smtClean="0"/>
+                <a:t>w35 = 1</a:t>
+              </a:r>
+              <a:endParaRPr lang="en-US" sz="900" dirty="0"/>
+            </a:p>
+          </p:txBody>
+        </p:sp>
+        <p:sp>
+          <p:nvSpPr>
+            <p:cNvPr id="20" name="TextBox 19"/>
+            <p:cNvSpPr txBox="1"/>
+            <p:nvPr/>
+          </p:nvSpPr>
+          <p:spPr>
+            <a:xfrm rot="2087761">
+              <a:off x="2012331" y="933650"/>
+              <a:ext cx="583887" cy="230832"/>
+            </a:xfrm>
+            <a:prstGeom prst="rect">
+              <a:avLst/>
+            </a:prstGeom>
+            <a:noFill/>
+          </p:spPr>
+          <p:txBody>
+            <a:bodyPr wrap="square" rtlCol="0">
+              <a:spAutoFit/>
+            </a:bodyPr>
+            <a:lstStyle/>
+            <a:p>
+              <a:r>
+                <a:rPr lang="en-US" sz="900" dirty="0" smtClean="0"/>
+                <a:t>w14 = -1</a:t>
+              </a:r>
+              <a:endParaRPr lang="en-US" sz="900" dirty="0"/>
+            </a:p>
+          </p:txBody>
+        </p:sp>
+        <p:sp>
+          <p:nvSpPr>
+            <p:cNvPr id="21" name="TextBox 20"/>
+            <p:cNvSpPr txBox="1"/>
+            <p:nvPr/>
+          </p:nvSpPr>
+          <p:spPr>
+            <a:xfrm>
+              <a:off x="1957134" y="1732840"/>
+              <a:ext cx="560183" cy="230832"/>
+            </a:xfrm>
+            <a:prstGeom prst="rect">
+              <a:avLst/>
+            </a:prstGeom>
+            <a:noFill/>
+          </p:spPr>
+          <p:txBody>
+            <a:bodyPr wrap="square" rtlCol="0">
+              <a:spAutoFit/>
+            </a:bodyPr>
+            <a:lstStyle/>
+            <a:p>
+              <a:r>
+                <a:rPr lang="en-US" sz="900" dirty="0" smtClean="0"/>
+                <a:t>w24 = 1</a:t>
+              </a:r>
+              <a:endParaRPr lang="en-US" sz="900" dirty="0"/>
+            </a:p>
+          </p:txBody>
+        </p:sp>
+        <p:sp>
+          <p:nvSpPr>
+            <p:cNvPr id="22" name="TextBox 21"/>
+            <p:cNvSpPr txBox="1"/>
+            <p:nvPr/>
+          </p:nvSpPr>
+          <p:spPr>
+            <a:xfrm rot="19465264">
+              <a:off x="1980280" y="1277262"/>
+              <a:ext cx="660663" cy="230832"/>
+            </a:xfrm>
+            <a:prstGeom prst="rect">
+              <a:avLst/>
+            </a:prstGeom>
+            <a:noFill/>
+          </p:spPr>
+          <p:txBody>
+            <a:bodyPr wrap="square" rtlCol="0">
+              <a:spAutoFit/>
+            </a:bodyPr>
+            <a:lstStyle/>
+            <a:p>
+              <a:r>
+                <a:rPr lang="en-US" sz="900" dirty="0" smtClean="0"/>
+                <a:t>w23 = -1</a:t>
+              </a:r>
+              <a:endParaRPr lang="en-US" sz="900" dirty="0"/>
+            </a:p>
+          </p:txBody>
+        </p:sp>
+        <p:sp>
+          <p:nvSpPr>
+            <p:cNvPr id="23" name="TextBox 22"/>
+            <p:cNvSpPr txBox="1"/>
+            <p:nvPr/>
+          </p:nvSpPr>
+          <p:spPr>
+            <a:xfrm>
+              <a:off x="2702740" y="1187406"/>
+              <a:ext cx="1031868" cy="230832"/>
+            </a:xfrm>
+            <a:prstGeom prst="rect">
+              <a:avLst/>
+            </a:prstGeom>
+            <a:noFill/>
+          </p:spPr>
+          <p:txBody>
+            <a:bodyPr wrap="square" rtlCol="0">
+              <a:spAutoFit/>
+            </a:bodyPr>
+            <a:lstStyle/>
+            <a:p>
+              <a:pPr algn="ctr"/>
+              <a:r>
+                <a:rPr lang="en-US" sz="900" dirty="0" smtClean="0"/>
+                <a:t>a0 = -1, w0 = .5</a:t>
+              </a:r>
+              <a:endParaRPr lang="en-US" sz="900" dirty="0"/>
+            </a:p>
+          </p:txBody>
+        </p:sp>
+        <p:cxnSp>
+          <p:nvCxnSpPr>
+            <p:cNvPr id="25" name="Straight Connector 24"/>
+            <p:cNvCxnSpPr>
+              <a:stCxn id="4" idx="2"/>
+              <a:endCxn id="23" idx="0"/>
+            </p:cNvCxnSpPr>
+            <p:nvPr/>
+          </p:nvCxnSpPr>
+          <p:spPr>
+            <a:xfrm>
+              <a:off x="3200400" y="842211"/>
+              <a:ext cx="18274" cy="345195"/>
+            </a:xfrm>
+            <a:prstGeom prst="line">
+              <a:avLst/>
+            </a:prstGeom>
+          </p:spPr>
+          <p:style>
+            <a:lnRef idx="1">
+              <a:schemeClr val="accent1"/>
+            </a:lnRef>
+            <a:fillRef idx="0">
+              <a:schemeClr val="accent1"/>
+            </a:fillRef>
+            <a:effectRef idx="0">
+              <a:schemeClr val="accent1"/>
+            </a:effectRef>
+            <a:fontRef idx="minor">
+              <a:schemeClr val="tx1"/>
+            </a:fontRef>
+          </p:style>
+        </p:cxnSp>
+        <p:cxnSp>
+          <p:nvCxnSpPr>
+            <p:cNvPr id="27" name="Straight Connector 26"/>
+            <p:cNvCxnSpPr>
+              <a:stCxn id="6" idx="2"/>
+              <a:endCxn id="23" idx="2"/>
+            </p:cNvCxnSpPr>
+            <p:nvPr/>
+          </p:nvCxnSpPr>
+          <p:spPr>
+            <a:xfrm flipV="1">
+              <a:off x="3200400" y="1418238"/>
+              <a:ext cx="18274" cy="362437"/>
+            </a:xfrm>
+            <a:prstGeom prst="line">
+              <a:avLst/>
+            </a:prstGeom>
+          </p:spPr>
+          <p:style>
+            <a:lnRef idx="1">
+              <a:schemeClr val="accent1"/>
+            </a:lnRef>
+            <a:fillRef idx="0">
+              <a:schemeClr val="accent1"/>
+            </a:fillRef>
+            <a:effectRef idx="0">
+              <a:schemeClr val="accent1"/>
+            </a:effectRef>
+            <a:fontRef idx="minor">
+              <a:schemeClr val="tx1"/>
+            </a:fontRef>
+          </p:style>
+        </p:cxnSp>
+        <p:sp>
+          <p:nvSpPr>
+            <p:cNvPr id="30" name="Oval 29"/>
+            <p:cNvSpPr/>
+            <p:nvPr/>
+          </p:nvSpPr>
+          <p:spPr>
+            <a:xfrm>
+              <a:off x="5502442" y="1140459"/>
+              <a:ext cx="657726" cy="368969"/>
+            </a:xfrm>
+            <a:prstGeom prst="ellipse">
+              <a:avLst/>
+            </a:prstGeom>
+            <a:noFill/>
+          </p:spPr>
+          <p:style>
+            <a:lnRef idx="2">
+              <a:schemeClr val="accent1">
+                <a:shade val="50000"/>
+              </a:schemeClr>
+            </a:lnRef>
+            <a:fillRef idx="1">
+              <a:schemeClr val="accent1"/>
+            </a:fillRef>
+            <a:effectRef idx="0">
+              <a:schemeClr val="accent1"/>
+            </a:effectRef>
+            <a:fontRef idx="minor">
+              <a:schemeClr val="lt1"/>
+            </a:fontRef>
+          </p:style>
+          <p:txBody>
+            <a:bodyPr rtlCol="0" anchor="ctr"/>
+            <a:lstStyle/>
+            <a:p>
+              <a:pPr algn="ctr"/>
+              <a:endParaRPr lang="en-US"/>
+            </a:p>
+          </p:txBody>
+        </p:sp>
+        <p:sp>
+          <p:nvSpPr>
+            <p:cNvPr id="31" name="TextBox 30"/>
+            <p:cNvSpPr txBox="1"/>
+            <p:nvPr/>
+          </p:nvSpPr>
+          <p:spPr>
+            <a:xfrm>
+              <a:off x="5566609" y="1169567"/>
+              <a:ext cx="529391" cy="276999"/>
+            </a:xfrm>
+            <a:prstGeom prst="rect">
+              <a:avLst/>
+            </a:prstGeom>
+            <a:noFill/>
+          </p:spPr>
+          <p:txBody>
+            <a:bodyPr wrap="square" rtlCol="0">
+              <a:spAutoFit/>
+            </a:bodyPr>
+            <a:lstStyle/>
+            <a:p>
+              <a:pPr algn="ctr"/>
+              <a:r>
+                <a:rPr lang="en-US" sz="1200" dirty="0" smtClean="0"/>
+                <a:t>a5</a:t>
+              </a:r>
+              <a:endParaRPr lang="en-US" sz="1200" dirty="0"/>
+            </a:p>
+          </p:txBody>
+        </p:sp>
+        <p:cxnSp>
+          <p:nvCxnSpPr>
+            <p:cNvPr id="43" name="Straight Connector 42"/>
+            <p:cNvCxnSpPr>
+              <a:stCxn id="6" idx="6"/>
+              <a:endCxn id="30" idx="2"/>
+            </p:cNvCxnSpPr>
+            <p:nvPr/>
+          </p:nvCxnSpPr>
+          <p:spPr>
+            <a:xfrm flipV="1">
+              <a:off x="3858126" y="1324944"/>
+              <a:ext cx="1644316" cy="455731"/>
+            </a:xfrm>
+            <a:prstGeom prst="line">
+              <a:avLst/>
+            </a:prstGeom>
+          </p:spPr>
+          <p:style>
+            <a:lnRef idx="1">
+              <a:schemeClr val="accent1"/>
+            </a:lnRef>
+            <a:fillRef idx="0">
+              <a:schemeClr val="accent1"/>
+            </a:fillRef>
+            <a:effectRef idx="0">
+              <a:schemeClr val="accent1"/>
+            </a:effectRef>
+            <a:fontRef idx="minor">
+              <a:schemeClr val="tx1"/>
+            </a:fontRef>
+          </p:style>
+        </p:cxnSp>
+        <p:cxnSp>
+          <p:nvCxnSpPr>
+            <p:cNvPr id="45" name="Straight Connector 44"/>
+            <p:cNvCxnSpPr>
+              <a:stCxn id="4" idx="6"/>
+              <a:endCxn id="30" idx="2"/>
+            </p:cNvCxnSpPr>
+            <p:nvPr/>
+          </p:nvCxnSpPr>
+          <p:spPr>
+            <a:xfrm>
+              <a:off x="3858126" y="842211"/>
+              <a:ext cx="1644316" cy="482733"/>
+            </a:xfrm>
+            <a:prstGeom prst="line">
+              <a:avLst/>
+            </a:prstGeom>
+          </p:spPr>
+          <p:style>
+            <a:lnRef idx="1">
+              <a:schemeClr val="accent1"/>
+            </a:lnRef>
+            <a:fillRef idx="0">
+              <a:schemeClr val="accent1"/>
+            </a:fillRef>
+            <a:effectRef idx="0">
+              <a:schemeClr val="accent1"/>
+            </a:effectRef>
+            <a:fontRef idx="minor">
+              <a:schemeClr val="tx1"/>
+            </a:fontRef>
+          </p:style>
+        </p:cxnSp>
+        <p:sp>
+          <p:nvSpPr>
+            <p:cNvPr id="48" name="TextBox 47"/>
+            <p:cNvSpPr txBox="1"/>
+            <p:nvPr/>
+          </p:nvSpPr>
+          <p:spPr>
+            <a:xfrm>
+              <a:off x="1957135" y="664395"/>
+              <a:ext cx="560182" cy="230832"/>
+            </a:xfrm>
+            <a:prstGeom prst="rect">
+              <a:avLst/>
+            </a:prstGeom>
+            <a:noFill/>
+          </p:spPr>
+          <p:txBody>
+            <a:bodyPr wrap="square" rtlCol="0">
+              <a:spAutoFit/>
+            </a:bodyPr>
+            <a:lstStyle/>
+            <a:p>
+              <a:r>
+                <a:rPr lang="en-US" sz="900" dirty="0" smtClean="0"/>
+                <a:t>w13 = 1</a:t>
+              </a:r>
+              <a:endParaRPr lang="en-US" sz="900" dirty="0"/>
+            </a:p>
+          </p:txBody>
+        </p:sp>
+        <p:sp>
+          <p:nvSpPr>
+            <p:cNvPr id="49" name="TextBox 48"/>
+            <p:cNvSpPr txBox="1"/>
+            <p:nvPr/>
+          </p:nvSpPr>
+          <p:spPr>
+            <a:xfrm rot="20695294">
+              <a:off x="4002545" y="1606801"/>
+              <a:ext cx="560182" cy="230832"/>
+            </a:xfrm>
+            <a:prstGeom prst="rect">
+              <a:avLst/>
+            </a:prstGeom>
+            <a:noFill/>
+          </p:spPr>
+          <p:txBody>
+            <a:bodyPr wrap="square" rtlCol="0">
+              <a:spAutoFit/>
+            </a:bodyPr>
+            <a:lstStyle/>
+            <a:p>
+              <a:r>
+                <a:rPr lang="en-US" sz="900" dirty="0" smtClean="0"/>
+                <a:t>w45 = 1</a:t>
+              </a:r>
+              <a:endParaRPr lang="en-US" sz="900" dirty="0"/>
+            </a:p>
+          </p:txBody>
+        </p:sp>
+        <p:sp>
+          <p:nvSpPr>
+            <p:cNvPr id="50" name="TextBox 49"/>
+            <p:cNvSpPr txBox="1"/>
+            <p:nvPr/>
+          </p:nvSpPr>
+          <p:spPr>
+            <a:xfrm>
+              <a:off x="3966306" y="1210416"/>
+              <a:ext cx="896684" cy="230832"/>
+            </a:xfrm>
+            <a:prstGeom prst="rect">
+              <a:avLst/>
+            </a:prstGeom>
+            <a:noFill/>
+          </p:spPr>
+          <p:txBody>
+            <a:bodyPr wrap="square" rtlCol="0">
+              <a:spAutoFit/>
+            </a:bodyPr>
+            <a:lstStyle/>
+            <a:p>
+              <a:pPr algn="ctr"/>
+              <a:r>
+                <a:rPr lang="en-US" sz="900" dirty="0" smtClean="0"/>
+                <a:t>a0 = -1, w0 = .5</a:t>
+              </a:r>
+              <a:endParaRPr lang="en-US" sz="900" dirty="0"/>
+            </a:p>
+          </p:txBody>
+        </p:sp>
+        <p:cxnSp>
+          <p:nvCxnSpPr>
+            <p:cNvPr id="52" name="Straight Connector 51"/>
+            <p:cNvCxnSpPr>
+              <a:stCxn id="30" idx="2"/>
+              <a:endCxn id="50" idx="3"/>
+            </p:cNvCxnSpPr>
+            <p:nvPr/>
+          </p:nvCxnSpPr>
+          <p:spPr>
+            <a:xfrm flipH="1">
+              <a:off x="4862990" y="1324944"/>
+              <a:ext cx="639452" cy="888"/>
+            </a:xfrm>
+            <a:prstGeom prst="line">
+              <a:avLst/>
+            </a:prstGeom>
+          </p:spPr>
+          <p:style>
+            <a:lnRef idx="1">
+              <a:schemeClr val="accent1"/>
+            </a:lnRef>
+            <a:fillRef idx="0">
+              <a:schemeClr val="accent1"/>
+            </a:fillRef>
+            <a:effectRef idx="0">
+              <a:schemeClr val="accent1"/>
+            </a:effectRef>
+            <a:fontRef idx="minor">
+              <a:schemeClr val="tx1"/>
+            </a:fontRef>
+          </p:style>
+        </p:cxnSp>
+      </p:grpSp>
+    </p:spTree>
+    <p:extLst>
+      <p:ext uri="{BB962C8B-B14F-4D97-AF65-F5344CB8AC3E}">
+        <p14:creationId xmlns:p14="http://schemas.microsoft.com/office/powerpoint/2010/main" val="112319162"/>
+      </p:ext>
+    </p:extLst>
+  </p:cSld>
+  <p:clrMapOvr>
+    <a:masterClrMapping/>
+  </p:clrMapOvr>
+</p:sld>
+</file>
+
 <file path=ppt/theme/theme1.xml><?xml version="1.0" encoding="utf-8"?>
 <a:theme xmlns:a="http://schemas.openxmlformats.org/drawingml/2006/main" name="Office Theme">
   <a:themeElements>
